--- a/Serial_communication/src/RS232 a RS485.pptx
+++ b/Serial_communication/src/RS232 a RS485.pptx
@@ -229,7 +229,7 @@
           <a:p>
             <a:fld id="{8897FD9D-AE12-415B-9A36-A12897260BAF}" type="datetimeFigureOut">
               <a:rPr lang="cs-CZ" smtClean="0"/>
-              <a:t>04.10.2020</a:t>
+              <a:t>12.11.2023</a:t>
             </a:fld>
             <a:endParaRPr lang="cs-CZ"/>
           </a:p>
@@ -407,7 +407,7 @@
           <a:p>
             <a:fld id="{5163A614-D94B-45B8-80AB-CECDDC57E7D3}" type="datetimeFigureOut">
               <a:rPr lang="cs-CZ" smtClean="0"/>
-              <a:t>04.10.2020</a:t>
+              <a:t>12.11.2023</a:t>
             </a:fld>
             <a:endParaRPr lang="cs-CZ"/>
           </a:p>
@@ -822,7 +822,7 @@
           <a:p>
             <a:fld id="{8C3036F0-2AF5-4D25-BC28-08EF2F23FD0A}" type="datetime1">
               <a:rPr lang="cs-CZ" smtClean="0"/>
-              <a:t>04.10.2020</a:t>
+              <a:t>12.11.2023</a:t>
             </a:fld>
             <a:endParaRPr lang="cs-CZ"/>
           </a:p>
@@ -1020,7 +1020,7 @@
           <a:p>
             <a:fld id="{F0CF6B9D-C445-4254-85D6-1039F54AD86D}" type="datetime1">
               <a:rPr lang="cs-CZ" smtClean="0"/>
-              <a:t>04.10.2020</a:t>
+              <a:t>12.11.2023</a:t>
             </a:fld>
             <a:endParaRPr lang="cs-CZ"/>
           </a:p>
@@ -1228,7 +1228,7 @@
           <a:p>
             <a:fld id="{79B588F6-5081-4288-AC9D-B4C79B17BAC5}" type="datetime1">
               <a:rPr lang="cs-CZ" smtClean="0"/>
-              <a:t>04.10.2020</a:t>
+              <a:t>12.11.2023</a:t>
             </a:fld>
             <a:endParaRPr lang="cs-CZ"/>
           </a:p>
@@ -1448,7 +1448,7 @@
           <a:p>
             <a:fld id="{2C8FB8F2-E4A2-4BCA-9B50-E8277A84C105}" type="datetime1">
               <a:rPr lang="cs-CZ" smtClean="0"/>
-              <a:t>04.10.2020</a:t>
+              <a:t>12.11.2023</a:t>
             </a:fld>
             <a:endParaRPr lang="cs-CZ"/>
           </a:p>
@@ -1646,7 +1646,7 @@
           <a:p>
             <a:fld id="{70B5D968-83E4-4473-B3B0-47D503D83537}" type="datetime1">
               <a:rPr lang="cs-CZ" smtClean="0"/>
-              <a:t>04.10.2020</a:t>
+              <a:t>12.11.2023</a:t>
             </a:fld>
             <a:endParaRPr lang="cs-CZ"/>
           </a:p>
@@ -1921,7 +1921,7 @@
           <a:p>
             <a:fld id="{4C417C95-F17F-4F7C-BBD3-6AFF666A5E1D}" type="datetime1">
               <a:rPr lang="cs-CZ" smtClean="0"/>
-              <a:t>04.10.2020</a:t>
+              <a:t>12.11.2023</a:t>
             </a:fld>
             <a:endParaRPr lang="cs-CZ"/>
           </a:p>
@@ -2186,7 +2186,7 @@
           <a:p>
             <a:fld id="{BA8C768B-B35A-4154-B7C3-E461FCCA4CE5}" type="datetime1">
               <a:rPr lang="cs-CZ" smtClean="0"/>
-              <a:t>04.10.2020</a:t>
+              <a:t>12.11.2023</a:t>
             </a:fld>
             <a:endParaRPr lang="cs-CZ"/>
           </a:p>
@@ -2598,7 +2598,7 @@
           <a:p>
             <a:fld id="{1FB3993F-19B7-443B-8897-46DEC1DECB3C}" type="datetime1">
               <a:rPr lang="cs-CZ" smtClean="0"/>
-              <a:t>04.10.2020</a:t>
+              <a:t>12.11.2023</a:t>
             </a:fld>
             <a:endParaRPr lang="cs-CZ"/>
           </a:p>
@@ -2739,7 +2739,7 @@
           <a:p>
             <a:fld id="{B9B250CA-BEAD-41AF-B4A7-710D80DEDD85}" type="datetime1">
               <a:rPr lang="cs-CZ" smtClean="0"/>
-              <a:t>04.10.2020</a:t>
+              <a:t>12.11.2023</a:t>
             </a:fld>
             <a:endParaRPr lang="cs-CZ"/>
           </a:p>
@@ -2852,7 +2852,7 @@
           <a:p>
             <a:fld id="{10464996-3AF1-4174-A140-DBF20DBE88F5}" type="datetime1">
               <a:rPr lang="cs-CZ" smtClean="0"/>
-              <a:t>04.10.2020</a:t>
+              <a:t>12.11.2023</a:t>
             </a:fld>
             <a:endParaRPr lang="cs-CZ"/>
           </a:p>
@@ -3163,7 +3163,7 @@
           <a:p>
             <a:fld id="{09A1A00B-F03D-4638-8DA7-E810D2C361CF}" type="datetime1">
               <a:rPr lang="cs-CZ" smtClean="0"/>
-              <a:t>04.10.2020</a:t>
+              <a:t>12.11.2023</a:t>
             </a:fld>
             <a:endParaRPr lang="cs-CZ"/>
           </a:p>
@@ -3362,7 +3362,7 @@
             <a:pPr algn="ctr"/>
             <a:fld id="{E316F59F-A63E-4905-B787-C68437A620E5}" type="datetime1">
               <a:rPr lang="cs-CZ" smtClean="0"/>
-              <a:t>04.10.2020</a:t>
+              <a:t>12.11.2023</a:t>
             </a:fld>
             <a:endParaRPr lang="cs-CZ" dirty="0"/>
           </a:p>
@@ -3650,7 +3650,7 @@
           <a:p>
             <a:fld id="{9BD9DF9F-DBBE-4D85-943D-024E9B97890F}" type="datetime1">
               <a:rPr lang="cs-CZ" smtClean="0"/>
-              <a:t>04.10.2020</a:t>
+              <a:t>12.11.2023</a:t>
             </a:fld>
             <a:endParaRPr lang="cs-CZ"/>
           </a:p>
@@ -3848,7 +3848,7 @@
           <a:p>
             <a:fld id="{0149F9E0-18E3-4315-B16F-1435CB30B54F}" type="datetime1">
               <a:rPr lang="cs-CZ" smtClean="0"/>
-              <a:t>04.10.2020</a:t>
+              <a:t>12.11.2023</a:t>
             </a:fld>
             <a:endParaRPr lang="cs-CZ"/>
           </a:p>
@@ -4056,7 +4056,7 @@
           <a:p>
             <a:fld id="{C2C7AC29-F8A6-4F74-A564-180902BBC325}" type="datetime1">
               <a:rPr lang="cs-CZ" smtClean="0"/>
-              <a:t>04.10.2020</a:t>
+              <a:t>12.11.2023</a:t>
             </a:fld>
             <a:endParaRPr lang="cs-CZ"/>
           </a:p>
@@ -4331,7 +4331,7 @@
           <a:p>
             <a:fld id="{EC70ECC8-81FD-404F-8618-AF2CE982DFB9}" type="datetime1">
               <a:rPr lang="cs-CZ" smtClean="0"/>
-              <a:t>04.10.2020</a:t>
+              <a:t>12.11.2023</a:t>
             </a:fld>
             <a:endParaRPr lang="cs-CZ"/>
           </a:p>
@@ -4596,7 +4596,7 @@
           <a:p>
             <a:fld id="{11A6F09D-E317-4A2F-A1BA-2DC8D417E5BC}" type="datetime1">
               <a:rPr lang="cs-CZ" smtClean="0"/>
-              <a:t>04.10.2020</a:t>
+              <a:t>12.11.2023</a:t>
             </a:fld>
             <a:endParaRPr lang="cs-CZ"/>
           </a:p>
@@ -5008,7 +5008,7 @@
           <a:p>
             <a:fld id="{06539A90-2727-4345-B98F-2B616E5D1E48}" type="datetime1">
               <a:rPr lang="cs-CZ" smtClean="0"/>
-              <a:t>04.10.2020</a:t>
+              <a:t>12.11.2023</a:t>
             </a:fld>
             <a:endParaRPr lang="cs-CZ"/>
           </a:p>
@@ -5149,7 +5149,7 @@
           <a:p>
             <a:fld id="{10CABF11-D7E0-404A-83C2-FA68E7CB2AE1}" type="datetime1">
               <a:rPr lang="cs-CZ" smtClean="0"/>
-              <a:t>04.10.2020</a:t>
+              <a:t>12.11.2023</a:t>
             </a:fld>
             <a:endParaRPr lang="cs-CZ"/>
           </a:p>
@@ -5262,7 +5262,7 @@
           <a:p>
             <a:fld id="{3A65F17A-C03B-4272-BD7A-964242506AFD}" type="datetime1">
               <a:rPr lang="cs-CZ" smtClean="0"/>
-              <a:t>04.10.2020</a:t>
+              <a:t>12.11.2023</a:t>
             </a:fld>
             <a:endParaRPr lang="cs-CZ"/>
           </a:p>
@@ -5573,7 +5573,7 @@
           <a:p>
             <a:fld id="{2DCAE243-5CF9-49AF-ABEA-F867C0B8401C}" type="datetime1">
               <a:rPr lang="cs-CZ" smtClean="0"/>
-              <a:t>04.10.2020</a:t>
+              <a:t>12.11.2023</a:t>
             </a:fld>
             <a:endParaRPr lang="cs-CZ"/>
           </a:p>
@@ -5864,7 +5864,7 @@
           <a:p>
             <a:fld id="{06AA35BA-4274-4D48-8995-CCA233B9B9F9}" type="datetime1">
               <a:rPr lang="cs-CZ" smtClean="0"/>
-              <a:t>04.10.2020</a:t>
+              <a:t>12.11.2023</a:t>
             </a:fld>
             <a:endParaRPr lang="cs-CZ"/>
           </a:p>
@@ -6105,7 +6105,7 @@
           <a:p>
             <a:fld id="{E6EF2676-9FD6-443C-A723-8CEE4DA5F596}" type="datetime1">
               <a:rPr lang="cs-CZ" smtClean="0"/>
-              <a:t>04.10.2020</a:t>
+              <a:t>12.11.2023</a:t>
             </a:fld>
             <a:endParaRPr lang="cs-CZ"/>
           </a:p>
@@ -6674,7 +6674,7 @@
           <a:p>
             <a:fld id="{3E120C67-13C4-4556-9C50-63193EAE4EC0}" type="datetime1">
               <a:rPr lang="cs-CZ" smtClean="0"/>
-              <a:t>04.10.2020</a:t>
+              <a:t>12.11.2023</a:t>
             </a:fld>
             <a:endParaRPr lang="cs-CZ"/>
           </a:p>
@@ -7117,7 +7117,7 @@
           <a:p>
             <a:r>
               <a:rPr lang="cs-CZ" cap="small" dirty="0"/>
-              <a:t>průmyslová komunikace</a:t>
+              <a:t>sériová komunikace</a:t>
             </a:r>
           </a:p>
         </p:txBody>
@@ -7173,7 +7173,7 @@
           <a:p>
             <a:fld id="{8C3036F0-2AF5-4D25-BC28-08EF2F23FD0A}" type="datetime1">
               <a:rPr lang="cs-CZ" smtClean="0"/>
-              <a:t>04.10.2020</a:t>
+              <a:t>12.11.2023</a:t>
             </a:fld>
             <a:endParaRPr lang="cs-CZ"/>
           </a:p>
@@ -7202,7 +7202,7 @@
           <a:p>
             <a:r>
               <a:rPr lang="cs-CZ" dirty="0"/>
-              <a:t>Akademický rok 2020/21</a:t>
+              <a:t>Akademický rok 2023/24</a:t>
             </a:r>
           </a:p>
         </p:txBody>
@@ -7453,7 +7453,7 @@
             <a:pPr algn="ctr"/>
             <a:fld id="{E316F59F-A63E-4905-B787-C68437A620E5}" type="datetime1">
               <a:rPr lang="cs-CZ" smtClean="0"/>
-              <a:t>04.10.2020</a:t>
+              <a:t>12.11.2023</a:t>
             </a:fld>
             <a:endParaRPr lang="cs-CZ" dirty="0"/>
           </a:p>
@@ -7646,7 +7646,7 @@
             <a:pPr algn="ctr"/>
             <a:fld id="{E316F59F-A63E-4905-B787-C68437A620E5}" type="datetime1">
               <a:rPr lang="cs-CZ" smtClean="0"/>
-              <a:t>04.10.2020</a:t>
+              <a:t>12.11.2023</a:t>
             </a:fld>
             <a:endParaRPr lang="cs-CZ" dirty="0"/>
           </a:p>
@@ -7890,7 +7890,7 @@
           <a:p>
             <a:fld id="{06539A90-2727-4345-B98F-2B616E5D1E48}" type="datetime1">
               <a:rPr lang="cs-CZ" smtClean="0"/>
-              <a:t>04.10.2020</a:t>
+              <a:t>12.11.2023</a:t>
             </a:fld>
             <a:endParaRPr lang="cs-CZ"/>
           </a:p>
@@ -7978,7 +7978,7 @@
           <a:p>
             <a:fld id="{06539A90-2727-4345-B98F-2B616E5D1E48}" type="datetime1">
               <a:rPr lang="cs-CZ" smtClean="0"/>
-              <a:t>04.10.2020</a:t>
+              <a:t>12.11.2023</a:t>
             </a:fld>
             <a:endParaRPr lang="cs-CZ"/>
           </a:p>
@@ -8177,7 +8177,7 @@
             <a:pPr algn="ctr"/>
             <a:fld id="{E316F59F-A63E-4905-B787-C68437A620E5}" type="datetime1">
               <a:rPr lang="cs-CZ" smtClean="0"/>
-              <a:t>04.10.2020</a:t>
+              <a:t>12.11.2023</a:t>
             </a:fld>
             <a:endParaRPr lang="cs-CZ" dirty="0"/>
           </a:p>
@@ -8355,7 +8355,7 @@
             <a:pPr algn="ctr"/>
             <a:fld id="{E316F59F-A63E-4905-B787-C68437A620E5}" type="datetime1">
               <a:rPr lang="cs-CZ" smtClean="0"/>
-              <a:t>04.10.2020</a:t>
+              <a:t>12.11.2023</a:t>
             </a:fld>
             <a:endParaRPr lang="cs-CZ" dirty="0"/>
           </a:p>
@@ -8556,7 +8556,7 @@
             <a:pPr algn="ctr"/>
             <a:fld id="{E316F59F-A63E-4905-B787-C68437A620E5}" type="datetime1">
               <a:rPr lang="cs-CZ" smtClean="0"/>
-              <a:t>04.10.2020</a:t>
+              <a:t>12.11.2023</a:t>
             </a:fld>
             <a:endParaRPr lang="cs-CZ" dirty="0"/>
           </a:p>
@@ -8712,7 +8712,7 @@
             <a:pPr algn="ctr"/>
             <a:fld id="{E316F59F-A63E-4905-B787-C68437A620E5}" type="datetime1">
               <a:rPr lang="cs-CZ" smtClean="0"/>
-              <a:t>04.10.2020</a:t>
+              <a:t>12.11.2023</a:t>
             </a:fld>
             <a:endParaRPr lang="cs-CZ" dirty="0"/>
           </a:p>
@@ -9135,7 +9135,7 @@
             <a:pPr algn="ctr"/>
             <a:fld id="{E316F59F-A63E-4905-B787-C68437A620E5}" type="datetime1">
               <a:rPr lang="cs-CZ" smtClean="0"/>
-              <a:t>04.10.2020</a:t>
+              <a:t>12.11.2023</a:t>
             </a:fld>
             <a:endParaRPr lang="cs-CZ" dirty="0"/>
           </a:p>
@@ -10582,18 +10582,18 @@
 </file>
 
 <file path=customXml/item2.xml><?xml version="1.0" encoding="utf-8"?>
-<p:properties xmlns:p="http://schemas.microsoft.com/office/2006/metadata/properties" xmlns:xsi="http://www.w3.org/2001/XMLSchema-instance" xmlns:pc="http://schemas.microsoft.com/office/infopath/2007/PartnerControls">
-  <documentManagement/>
-</p:properties>
-</file>
-
-<file path=customXml/item3.xml><?xml version="1.0" encoding="utf-8"?>
 <?mso-contentType ?>
 <FormTemplates xmlns="http://schemas.microsoft.com/sharepoint/v3/contenttype/forms">
   <Display>DocumentLibraryForm</Display>
   <Edit>DocumentLibraryForm</Edit>
   <New>DocumentLibraryForm</New>
 </FormTemplates>
+</file>
+
+<file path=customXml/item3.xml><?xml version="1.0" encoding="utf-8"?>
+<p:properties xmlns:p="http://schemas.microsoft.com/office/2006/metadata/properties" xmlns:xsi="http://www.w3.org/2001/XMLSchema-instance" xmlns:pc="http://schemas.microsoft.com/office/infopath/2007/PartnerControls">
+  <documentManagement/>
+</p:properties>
 </file>
 
 <file path=customXml/itemProps1.xml><?xml version="1.0" encoding="utf-8"?>
@@ -10616,6 +10616,14 @@
 </file>
 
 <file path=customXml/itemProps2.xml><?xml version="1.0" encoding="utf-8"?>
+<ds:datastoreItem xmlns:ds="http://schemas.openxmlformats.org/officeDocument/2006/customXml" ds:itemID="{E3DD9B41-AE9F-4EFE-AF6A-D66906DDA423}">
+  <ds:schemaRefs>
+    <ds:schemaRef ds:uri="http://schemas.microsoft.com/sharepoint/v3/contenttype/forms"/>
+  </ds:schemaRefs>
+</ds:datastoreItem>
+</file>
+
+<file path=customXml/itemProps3.xml><?xml version="1.0" encoding="utf-8"?>
 <ds:datastoreItem xmlns:ds="http://schemas.openxmlformats.org/officeDocument/2006/customXml" ds:itemID="{00CC2927-C183-410C-89DC-7252EBFBABAB}">
   <ds:schemaRefs>
     <ds:schemaRef ds:uri="http://purl.org/dc/dcmitype/"/>
@@ -10630,12 +10638,4 @@
     <ds:schemaRef ds:uri="ac0d6c10-ec1e-4d54-ba6b-3ab92d8dfa0b"/>
   </ds:schemaRefs>
 </ds:datastoreItem>
-</file>
-
-<file path=customXml/itemProps3.xml><?xml version="1.0" encoding="utf-8"?>
-<ds:datastoreItem xmlns:ds="http://schemas.openxmlformats.org/officeDocument/2006/customXml" ds:itemID="{E3DD9B41-AE9F-4EFE-AF6A-D66906DDA423}">
-  <ds:schemaRefs>
-    <ds:schemaRef ds:uri="http://schemas.microsoft.com/sharepoint/v3/contenttype/forms"/>
-  </ds:schemaRefs>
-</ds:datastoreItem>
 </file>